--- a/SE401/Lectures/10-Advanced Topics/Advanced Topics.pptx
+++ b/SE401/Lectures/10-Advanced Topics/Advanced Topics.pptx
@@ -323,7 +323,7 @@
           <a:p>
             <a:fld id="{B2F5E2FA-C428-4CE7-95B0-168D3259A5BB}" type="datetimeFigureOut">
               <a:rPr lang="en-US" smtClean="0"/>
-              <a:t>12/7/2021</a:t>
+              <a:t>2/23/2022</a:t>
             </a:fld>
             <a:endParaRPr lang="en-US"/>
           </a:p>
@@ -574,7 +574,7 @@
           <a:p>
             <a:fld id="{B2F5E2FA-C428-4CE7-95B0-168D3259A5BB}" type="datetimeFigureOut">
               <a:rPr lang="en-US" smtClean="0"/>
-              <a:t>12/7/2021</a:t>
+              <a:t>2/23/2022</a:t>
             </a:fld>
             <a:endParaRPr lang="en-US"/>
           </a:p>
@@ -754,7 +754,7 @@
           <a:p>
             <a:fld id="{B2F5E2FA-C428-4CE7-95B0-168D3259A5BB}" type="datetimeFigureOut">
               <a:rPr lang="en-US" smtClean="0"/>
-              <a:t>12/7/2021</a:t>
+              <a:t>2/23/2022</a:t>
             </a:fld>
             <a:endParaRPr lang="en-US"/>
           </a:p>
@@ -1010,7 +1010,7 @@
           <a:p>
             <a:fld id="{B2F5E2FA-C428-4CE7-95B0-168D3259A5BB}" type="datetimeFigureOut">
               <a:rPr lang="en-US" smtClean="0"/>
-              <a:t>12/7/2021</a:t>
+              <a:t>2/23/2022</a:t>
             </a:fld>
             <a:endParaRPr lang="en-US"/>
           </a:p>
@@ -1355,7 +1355,7 @@
           <a:p>
             <a:fld id="{B2F5E2FA-C428-4CE7-95B0-168D3259A5BB}" type="datetimeFigureOut">
               <a:rPr lang="en-US" smtClean="0"/>
-              <a:t>12/7/2021</a:t>
+              <a:t>2/23/2022</a:t>
             </a:fld>
             <a:endParaRPr lang="en-US"/>
           </a:p>
@@ -1587,7 +1587,7 @@
           <a:p>
             <a:fld id="{B2F5E2FA-C428-4CE7-95B0-168D3259A5BB}" type="datetimeFigureOut">
               <a:rPr lang="en-US" smtClean="0"/>
-              <a:t>12/7/2021</a:t>
+              <a:t>2/23/2022</a:t>
             </a:fld>
             <a:endParaRPr lang="en-US"/>
           </a:p>
@@ -1954,7 +1954,7 @@
           <a:p>
             <a:fld id="{B2F5E2FA-C428-4CE7-95B0-168D3259A5BB}" type="datetimeFigureOut">
               <a:rPr lang="en-US" smtClean="0"/>
-              <a:t>12/7/2021</a:t>
+              <a:t>2/23/2022</a:t>
             </a:fld>
             <a:endParaRPr lang="en-US"/>
           </a:p>
@@ -2049,7 +2049,7 @@
           <a:p>
             <a:fld id="{B2F5E2FA-C428-4CE7-95B0-168D3259A5BB}" type="datetimeFigureOut">
               <a:rPr lang="en-US" smtClean="0"/>
-              <a:t>12/7/2021</a:t>
+              <a:t>2/23/2022</a:t>
             </a:fld>
             <a:endParaRPr lang="en-US"/>
           </a:p>
@@ -2272,7 +2272,7 @@
             <a:fld id="{B2F5E2FA-C428-4CE7-95B0-168D3259A5BB}" type="datetimeFigureOut">
               <a:rPr lang="en-US" smtClean="0"/>
               <a:pPr/>
-              <a:t>12/7/2021</a:t>
+              <a:t>2/23/2022</a:t>
             </a:fld>
             <a:endParaRPr lang="en-US"/>
           </a:p>
@@ -2443,7 +2443,7 @@
           <a:p>
             <a:fld id="{B2F5E2FA-C428-4CE7-95B0-168D3259A5BB}" type="datetimeFigureOut">
               <a:rPr lang="en-US" smtClean="0"/>
-              <a:t>12/7/2021</a:t>
+              <a:t>2/23/2022</a:t>
             </a:fld>
             <a:endParaRPr lang="en-US"/>
           </a:p>
@@ -2720,7 +2720,7 @@
           <a:p>
             <a:fld id="{B2F5E2FA-C428-4CE7-95B0-168D3259A5BB}" type="datetimeFigureOut">
               <a:rPr lang="en-US" smtClean="0"/>
-              <a:t>12/7/2021</a:t>
+              <a:t>2/23/2022</a:t>
             </a:fld>
             <a:endParaRPr lang="en-US"/>
           </a:p>
@@ -2973,7 +2973,7 @@
           <a:p>
             <a:fld id="{B2F5E2FA-C428-4CE7-95B0-168D3259A5BB}" type="datetimeFigureOut">
               <a:rPr lang="en-US" smtClean="0"/>
-              <a:t>12/7/2021</a:t>
+              <a:t>2/23/2022</a:t>
             </a:fld>
             <a:endParaRPr lang="en-US"/>
           </a:p>
@@ -3186,7 +3186,7 @@
           <a:p>
             <a:fld id="{B2F5E2FA-C428-4CE7-95B0-168D3259A5BB}" type="datetimeFigureOut">
               <a:rPr lang="en-US" smtClean="0"/>
-              <a:t>12/7/2021</a:t>
+              <a:t>2/23/2022</a:t>
             </a:fld>
             <a:endParaRPr lang="en-US"/>
           </a:p>
@@ -3722,13 +3722,13 @@
         </p:nvSpPr>
         <p:spPr>
           <a:xfrm>
-            <a:off x="609600" y="1812842"/>
-            <a:ext cx="10972800" cy="4155141"/>
+            <a:off x="500332" y="1509623"/>
+            <a:ext cx="11082068" cy="4580625"/>
           </a:xfrm>
         </p:spPr>
         <p:txBody>
           <a:bodyPr>
-            <a:normAutofit lnSpcReduction="10000"/>
+            <a:normAutofit/>
           </a:bodyPr>
           <a:lstStyle/>
           <a:p>
@@ -3862,7 +3862,7 @@
           <a:noFill/>
           <a:extLst>
             <a:ext uri="{909E8E84-426E-40dd-AFC4-6F175D3DCCD1}">
-              <a14:hiddenFill xmlns="" xmlns:a14="http://schemas.microsoft.com/office/drawing/2010/main">
+              <a14:hiddenFill xmlns:a14="http://schemas.microsoft.com/office/drawing/2010/main" xmlns="">
                 <a:solidFill>
                   <a:srgbClr val="FFFFFF"/>
                 </a:solidFill>
@@ -4484,7 +4484,7 @@
         </p:blipFill>
         <p:spPr bwMode="auto">
           <a:xfrm>
-            <a:off x="7284446" y="2689860"/>
+            <a:off x="7094665" y="2222575"/>
             <a:ext cx="3956483" cy="3930396"/>
           </a:xfrm>
           <a:prstGeom prst="rect">
@@ -4496,7 +4496,7 @@
           </a:ln>
           <a:extLst>
             <a:ext uri="{909E8E84-426E-40dd-AFC4-6F175D3DCCD1}">
-              <a14:hiddenFill xmlns="" xmlns:a14="http://schemas.microsoft.com/office/drawing/2010/main">
+              <a14:hiddenFill xmlns:a14="http://schemas.microsoft.com/office/drawing/2010/main" xmlns="">
                 <a:solidFill>
                   <a:srgbClr val="FFFFFF"/>
                 </a:solidFill>
@@ -4623,8 +4623,8 @@
         </p:nvSpPr>
         <p:spPr>
           <a:xfrm>
-            <a:off x="627887" y="1822196"/>
-            <a:ext cx="9215121" cy="4389120"/>
+            <a:off x="627887" y="1483743"/>
+            <a:ext cx="9577162" cy="4727573"/>
           </a:xfrm>
         </p:spPr>
         <p:txBody>
@@ -4801,7 +4801,7 @@
           <a:noFill/>
           <a:extLst>
             <a:ext uri="{909E8E84-426E-40dd-AFC4-6F175D3DCCD1}">
-              <a14:hiddenFill xmlns="" xmlns:a14="http://schemas.microsoft.com/office/drawing/2010/main">
+              <a14:hiddenFill xmlns:a14="http://schemas.microsoft.com/office/drawing/2010/main" xmlns="">
                 <a:solidFill>
                   <a:srgbClr val="FFFFFF"/>
                 </a:solidFill>
@@ -5049,8 +5049,8 @@
         </p:nvSpPr>
         <p:spPr>
           <a:xfrm>
-            <a:off x="609600" y="1935480"/>
-            <a:ext cx="10972800" cy="4389120"/>
+            <a:off x="609600" y="1518249"/>
+            <a:ext cx="10972800" cy="4806351"/>
           </a:xfrm>
         </p:spPr>
         <p:txBody>
@@ -5637,8 +5637,8 @@
         </p:nvSpPr>
         <p:spPr>
           <a:xfrm>
-            <a:off x="609600" y="1935480"/>
-            <a:ext cx="6876288" cy="4389120"/>
+            <a:off x="609600" y="1449238"/>
+            <a:ext cx="6876288" cy="4875362"/>
           </a:xfrm>
         </p:spPr>
         <p:txBody>
@@ -5814,7 +5814,7 @@
           <a:noFill/>
           <a:extLst>
             <a:ext uri="{909E8E84-426E-40dd-AFC4-6F175D3DCCD1}">
-              <a14:hiddenFill xmlns="" xmlns:a14="http://schemas.microsoft.com/office/drawing/2010/main">
+              <a14:hiddenFill xmlns:a14="http://schemas.microsoft.com/office/drawing/2010/main" xmlns="">
                 <a:solidFill>
                   <a:srgbClr val="FFFFFF"/>
                 </a:solidFill>
@@ -5918,8 +5918,8 @@
         </p:nvSpPr>
         <p:spPr>
           <a:xfrm>
-            <a:off x="609600" y="1755384"/>
-            <a:ext cx="10972800" cy="4018280"/>
+            <a:off x="609600" y="1500996"/>
+            <a:ext cx="8957094" cy="4272668"/>
           </a:xfrm>
         </p:spPr>
         <p:txBody>
@@ -6085,7 +6085,7 @@
         </p:blipFill>
         <p:spPr bwMode="auto">
           <a:xfrm>
-            <a:off x="9208803" y="3450410"/>
+            <a:off x="9139792" y="2975957"/>
             <a:ext cx="2726749" cy="2257986"/>
           </a:xfrm>
           <a:prstGeom prst="rect">
@@ -6094,7 +6094,7 @@
           <a:noFill/>
           <a:extLst>
             <a:ext uri="{909E8E84-426E-40dd-AFC4-6F175D3DCCD1}">
-              <a14:hiddenFill xmlns="" xmlns:a14="http://schemas.microsoft.com/office/drawing/2010/main">
+              <a14:hiddenFill xmlns:a14="http://schemas.microsoft.com/office/drawing/2010/main" xmlns="">
                 <a:solidFill>
                   <a:srgbClr val="FFFFFF"/>
                 </a:solidFill>
@@ -6396,8 +6396,8 @@
         </p:nvSpPr>
         <p:spPr>
           <a:xfrm>
-            <a:off x="445700" y="1537613"/>
-            <a:ext cx="10972800" cy="3987800"/>
+            <a:off x="445700" y="1414732"/>
+            <a:ext cx="10972800" cy="4110681"/>
           </a:xfrm>
         </p:spPr>
         <p:txBody>
@@ -6551,7 +6551,7 @@
           <a:noFill/>
           <a:extLst>
             <a:ext uri="{909E8E84-426E-40dd-AFC4-6F175D3DCCD1}">
-              <a14:hiddenFill xmlns="" xmlns:a14="http://schemas.microsoft.com/office/drawing/2010/main">
+              <a14:hiddenFill xmlns:a14="http://schemas.microsoft.com/office/drawing/2010/main" xmlns="">
                 <a:solidFill>
                   <a:srgbClr val="FFFFFF"/>
                 </a:solidFill>
@@ -8774,13 +8774,13 @@
         </p:nvSpPr>
         <p:spPr>
           <a:xfrm>
-            <a:off x="447769" y="1576200"/>
-            <a:ext cx="6210300" cy="4211320"/>
+            <a:off x="447769" y="1500996"/>
+            <a:ext cx="6210300" cy="4286524"/>
           </a:xfrm>
         </p:spPr>
         <p:txBody>
           <a:bodyPr>
-            <a:normAutofit lnSpcReduction="10000"/>
+            <a:normAutofit/>
           </a:bodyPr>
           <a:lstStyle/>
           <a:p>
@@ -8928,7 +8928,7 @@
           <a:noFill/>
           <a:extLst>
             <a:ext uri="{909E8E84-426E-40dd-AFC4-6F175D3DCCD1}">
-              <a14:hiddenFill xmlns="" xmlns:a14="http://schemas.microsoft.com/office/drawing/2010/main">
+              <a14:hiddenFill xmlns:a14="http://schemas.microsoft.com/office/drawing/2010/main" xmlns="">
                 <a:solidFill>
                   <a:srgbClr val="FFFFFF"/>
                 </a:solidFill>
@@ -9229,8 +9229,8 @@
         </p:nvSpPr>
         <p:spPr>
           <a:xfrm>
-            <a:off x="504200" y="1578544"/>
-            <a:ext cx="10972800" cy="4211320"/>
+            <a:off x="504200" y="1431985"/>
+            <a:ext cx="10972800" cy="4357879"/>
           </a:xfrm>
         </p:spPr>
         <p:txBody>
@@ -10037,8 +10037,8 @@
         </p:nvSpPr>
         <p:spPr>
           <a:xfrm>
-            <a:off x="609600" y="1943259"/>
-            <a:ext cx="10972800" cy="4160520"/>
+            <a:off x="609600" y="1423358"/>
+            <a:ext cx="10972800" cy="4680421"/>
           </a:xfrm>
         </p:spPr>
         <p:txBody>
@@ -10571,8 +10571,8 @@
         </p:nvSpPr>
         <p:spPr>
           <a:xfrm>
-            <a:off x="609600" y="1943259"/>
-            <a:ext cx="10972800" cy="4160520"/>
+            <a:off x="609600" y="1526875"/>
+            <a:ext cx="10867400" cy="4576904"/>
           </a:xfrm>
         </p:spPr>
         <p:txBody>
@@ -10897,13 +10897,13 @@
         </p:nvSpPr>
         <p:spPr>
           <a:xfrm>
-            <a:off x="609600" y="1844040"/>
-            <a:ext cx="10972800" cy="4160520"/>
+            <a:off x="609600" y="1362973"/>
+            <a:ext cx="10972800" cy="4718649"/>
           </a:xfrm>
         </p:spPr>
         <p:txBody>
           <a:bodyPr>
-            <a:normAutofit fontScale="92500"/>
+            <a:normAutofit lnSpcReduction="10000"/>
           </a:bodyPr>
           <a:lstStyle/>
           <a:p>
@@ -11523,8 +11523,8 @@
         </p:nvSpPr>
         <p:spPr>
           <a:xfrm>
-            <a:off x="609600" y="1719390"/>
-            <a:ext cx="10972800" cy="4160520"/>
+            <a:off x="609600" y="1475117"/>
+            <a:ext cx="10972800" cy="4404793"/>
           </a:xfrm>
         </p:spPr>
         <p:txBody>
@@ -12062,13 +12062,13 @@
         </p:nvSpPr>
         <p:spPr>
           <a:xfrm>
-            <a:off x="609600" y="1519872"/>
-            <a:ext cx="10972800" cy="5019040"/>
+            <a:off x="609600" y="1406106"/>
+            <a:ext cx="10972800" cy="5132806"/>
           </a:xfrm>
         </p:spPr>
         <p:txBody>
           <a:bodyPr>
-            <a:normAutofit fontScale="55000" lnSpcReduction="20000"/>
+            <a:normAutofit fontScale="62500" lnSpcReduction="20000"/>
           </a:bodyPr>
           <a:lstStyle/>
           <a:p>
@@ -12682,8 +12682,8 @@
         </p:nvSpPr>
         <p:spPr>
           <a:xfrm>
-            <a:off x="609600" y="1853184"/>
-            <a:ext cx="10972800" cy="4160520"/>
+            <a:off x="609600" y="1449238"/>
+            <a:ext cx="10972800" cy="4564466"/>
           </a:xfrm>
         </p:spPr>
         <p:txBody>
@@ -13150,8 +13150,8 @@
         </p:nvSpPr>
         <p:spPr>
           <a:xfrm>
-            <a:off x="609600" y="1463040"/>
-            <a:ext cx="10972800" cy="5019040"/>
+            <a:off x="609600" y="1388853"/>
+            <a:ext cx="10972800" cy="5093227"/>
           </a:xfrm>
         </p:spPr>
         <p:txBody>
@@ -14791,8 +14791,8 @@
         </p:nvSpPr>
         <p:spPr>
           <a:xfrm>
-            <a:off x="609600" y="1935480"/>
-            <a:ext cx="10972800" cy="4389120"/>
+            <a:off x="609600" y="1500996"/>
+            <a:ext cx="10972800" cy="4823604"/>
           </a:xfrm>
         </p:spPr>
         <p:txBody>
@@ -14908,7 +14908,7 @@
           <a:noFill/>
           <a:extLst>
             <a:ext uri="{909E8E84-426E-40dd-AFC4-6F175D3DCCD1}">
-              <a14:hiddenFill xmlns:a14="http://schemas.microsoft.com/office/drawing/2010/main" xmlns="">
+              <a14:hiddenFill xmlns="" xmlns:a14="http://schemas.microsoft.com/office/drawing/2010/main">
                 <a:solidFill>
                   <a:srgbClr val="FFFFFF"/>
                 </a:solidFill>
@@ -15055,7 +15055,7 @@
           <a:noFill/>
           <a:extLst>
             <a:ext uri="{909E8E84-426E-40dd-AFC4-6F175D3DCCD1}">
-              <a14:hiddenFill xmlns:a14="http://schemas.microsoft.com/office/drawing/2010/main" xmlns="">
+              <a14:hiddenFill xmlns="" xmlns:a14="http://schemas.microsoft.com/office/drawing/2010/main">
                 <a:solidFill>
                   <a:srgbClr val="FFFFFF"/>
                 </a:solidFill>
@@ -15182,8 +15182,8 @@
         </p:nvSpPr>
         <p:spPr>
           <a:xfrm>
-            <a:off x="609600" y="1935480"/>
-            <a:ext cx="10972800" cy="4389120"/>
+            <a:off x="609600" y="1509623"/>
+            <a:ext cx="10972800" cy="4814977"/>
           </a:xfrm>
         </p:spPr>
         <p:txBody>
@@ -15563,8 +15563,8 @@
         </p:nvSpPr>
         <p:spPr>
           <a:xfrm>
-            <a:off x="609600" y="1935480"/>
-            <a:ext cx="10972800" cy="4389120"/>
+            <a:off x="609600" y="1544128"/>
+            <a:ext cx="10972800" cy="4780472"/>
           </a:xfrm>
         </p:spPr>
         <p:txBody>
@@ -15780,8 +15780,8 @@
         </p:nvSpPr>
         <p:spPr>
           <a:xfrm>
-            <a:off x="609600" y="1935480"/>
-            <a:ext cx="10972800" cy="4389120"/>
+            <a:off x="609600" y="1535502"/>
+            <a:ext cx="10972800" cy="4789098"/>
           </a:xfrm>
         </p:spPr>
         <p:txBody>
@@ -16011,8 +16011,8 @@
         </p:nvSpPr>
         <p:spPr>
           <a:xfrm>
-            <a:off x="609600" y="1935480"/>
-            <a:ext cx="10972800" cy="4389120"/>
+            <a:off x="609600" y="1449238"/>
+            <a:ext cx="10972800" cy="4875362"/>
           </a:xfrm>
         </p:spPr>
         <p:txBody>
@@ -16373,7 +16373,7 @@
           <a:noFill/>
           <a:extLst>
             <a:ext uri="{909E8E84-426E-40dd-AFC4-6F175D3DCCD1}">
-              <a14:hiddenFill xmlns:a14="http://schemas.microsoft.com/office/drawing/2010/main" xmlns="">
+              <a14:hiddenFill xmlns="" xmlns:a14="http://schemas.microsoft.com/office/drawing/2010/main">
                 <a:solidFill>
                   <a:srgbClr val="FFFFFF"/>
                 </a:solidFill>
@@ -16853,7 +16853,7 @@
           <a:noFill/>
           <a:extLst>
             <a:ext uri="{909E8E84-426E-40dd-AFC4-6F175D3DCCD1}">
-              <a14:hiddenFill xmlns:a14="http://schemas.microsoft.com/office/drawing/2010/main" xmlns="">
+              <a14:hiddenFill xmlns="" xmlns:a14="http://schemas.microsoft.com/office/drawing/2010/main">
                 <a:solidFill>
                   <a:srgbClr val="FFFFFF"/>
                 </a:solidFill>
@@ -16996,8 +16996,8 @@
         </p:nvSpPr>
         <p:spPr>
           <a:xfrm>
-            <a:off x="1414733" y="1500996"/>
-            <a:ext cx="8867954" cy="461665"/>
+            <a:off x="612474" y="1500996"/>
+            <a:ext cx="10696755" cy="523220"/>
           </a:xfrm>
           <a:prstGeom prst="rect">
             <a:avLst/>
@@ -17011,7 +17011,7 @@
           <a:p>
             <a:pPr algn="ctr"/>
             <a:r>
-              <a:rPr lang="en-US" sz="2400" dirty="0">
+              <a:rPr lang="en-US" sz="2800" dirty="0">
                 <a:latin typeface="Candara" panose="020E0502030303020204" pitchFamily="34" charset="0"/>
               </a:rPr>
               <a:t>Forecast number of mobile users worldwide from 2020 to 2025</a:t>
@@ -17356,7 +17356,7 @@
           <a:noFill/>
           <a:extLst>
             <a:ext uri="{909E8E84-426E-40dd-AFC4-6F175D3DCCD1}">
-              <a14:hiddenFill xmlns:a14="http://schemas.microsoft.com/office/drawing/2010/main" xmlns="">
+              <a14:hiddenFill xmlns="" xmlns:a14="http://schemas.microsoft.com/office/drawing/2010/main">
                 <a:solidFill>
                   <a:srgbClr val="FFFFFF"/>
                 </a:solidFill>
@@ -17844,8 +17844,8 @@
         </p:nvSpPr>
         <p:spPr>
           <a:xfrm>
-            <a:off x="411193" y="1632667"/>
-            <a:ext cx="6604000" cy="4434840"/>
+            <a:off x="448573" y="1457864"/>
+            <a:ext cx="6566619" cy="4609643"/>
           </a:xfrm>
         </p:spPr>
         <p:txBody>
@@ -17944,7 +17944,7 @@
           <a:noFill/>
           <a:extLst>
             <a:ext uri="{909E8E84-426E-40dd-AFC4-6F175D3DCCD1}">
-              <a14:hiddenFill xmlns="" xmlns:a14="http://schemas.microsoft.com/office/drawing/2010/main">
+              <a14:hiddenFill xmlns:a14="http://schemas.microsoft.com/office/drawing/2010/main" xmlns="">
                 <a:solidFill>
                   <a:srgbClr val="FFFFFF"/>
                 </a:solidFill>
@@ -18494,11 +18494,7 @@
           <a:p>
             <a:r>
               <a:rPr lang="en-US" dirty="0" smtClean="0"/>
-              <a:t>The </a:t>
-            </a:r>
-            <a:r>
-              <a:rPr lang="en-US" dirty="0" smtClean="0"/>
-              <a:t>page scrolling scenarios are being enabled in the application as necessary</a:t>
+              <a:t>The page scrolling scenarios are being enabled in the application as necessary</a:t>
             </a:r>
           </a:p>
           <a:p>
@@ -18666,11 +18662,7 @@
           <a:p>
             <a:r>
               <a:rPr lang="en-US" dirty="0" smtClean="0"/>
-              <a:t>Allows </a:t>
-            </a:r>
-            <a:r>
-              <a:rPr lang="en-US" dirty="0" smtClean="0"/>
-              <a:t>other </a:t>
+              <a:t>Allows other </a:t>
             </a:r>
             <a:r>
               <a:rPr lang="en-US" dirty="0"/>
@@ -19866,8 +19858,8 @@
         </p:nvSpPr>
         <p:spPr>
           <a:xfrm>
-            <a:off x="373405" y="1632667"/>
-            <a:ext cx="6604000" cy="4434840"/>
+            <a:off x="431321" y="1423358"/>
+            <a:ext cx="6546084" cy="4644149"/>
           </a:xfrm>
         </p:spPr>
         <p:txBody>
@@ -19960,7 +19952,7 @@
           <a:noFill/>
           <a:extLst>
             <a:ext uri="{909E8E84-426E-40dd-AFC4-6F175D3DCCD1}">
-              <a14:hiddenFill xmlns="" xmlns:a14="http://schemas.microsoft.com/office/drawing/2010/main">
+              <a14:hiddenFill xmlns:a14="http://schemas.microsoft.com/office/drawing/2010/main" xmlns="">
                 <a:solidFill>
                   <a:srgbClr val="FFFFFF"/>
                 </a:solidFill>
@@ -21898,7 +21890,7 @@
           <a:noFill/>
           <a:extLst>
             <a:ext uri="{909E8E84-426E-40dd-AFC4-6F175D3DCCD1}">
-              <a14:hiddenFill xmlns="" xmlns:a14="http://schemas.microsoft.com/office/drawing/2010/main">
+              <a14:hiddenFill xmlns:a14="http://schemas.microsoft.com/office/drawing/2010/main" xmlns="">
                 <a:solidFill>
                   <a:srgbClr val="FFFFFF"/>
                 </a:solidFill>
@@ -22451,25 +22443,6 @@
               <a:rPr lang="en-US" dirty="0" smtClean="0"/>
               <a:t>Manual vs Automated Mobile App Testing</a:t>
             </a:r>
-            <a:endParaRPr lang="en-US" dirty="0"/>
-          </a:p>
-        </p:txBody>
-      </p:sp>
-      <p:sp>
-        <p:nvSpPr>
-          <p:cNvPr id="3" name="Content Placeholder 2"/>
-          <p:cNvSpPr>
-            <a:spLocks noGrp="1"/>
-          </p:cNvSpPr>
-          <p:nvPr>
-            <p:ph idx="1"/>
-          </p:nvPr>
-        </p:nvSpPr>
-        <p:spPr/>
-        <p:txBody>
-          <a:bodyPr/>
-          <a:lstStyle/>
-          <a:p>
             <a:endParaRPr lang="en-US" dirty="0"/>
           </a:p>
         </p:txBody>
@@ -22957,8 +22930,8 @@
         </p:nvSpPr>
         <p:spPr>
           <a:xfrm>
-            <a:off x="609601" y="1812842"/>
-            <a:ext cx="5704936" cy="4155141"/>
+            <a:off x="609601" y="1483744"/>
+            <a:ext cx="5704936" cy="4484240"/>
           </a:xfrm>
         </p:spPr>
         <p:txBody>
@@ -23102,7 +23075,7 @@
           <a:noFill/>
           <a:extLst>
             <a:ext uri="{909E8E84-426E-40dd-AFC4-6F175D3DCCD1}">
-              <a14:hiddenFill xmlns="" xmlns:a14="http://schemas.microsoft.com/office/drawing/2010/main">
+              <a14:hiddenFill xmlns:a14="http://schemas.microsoft.com/office/drawing/2010/main" xmlns="">
                 <a:solidFill>
                   <a:srgbClr val="FFFFFF"/>
                 </a:solidFill>
@@ -23212,8 +23185,8 @@
         </p:nvSpPr>
         <p:spPr>
           <a:xfrm>
-            <a:off x="609601" y="1812842"/>
-            <a:ext cx="5704936" cy="4155141"/>
+            <a:off x="609601" y="1483744"/>
+            <a:ext cx="5704936" cy="4484240"/>
           </a:xfrm>
         </p:spPr>
         <p:txBody>
@@ -23336,7 +23309,7 @@
           <a:noFill/>
           <a:extLst>
             <a:ext uri="{909E8E84-426E-40dd-AFC4-6F175D3DCCD1}">
-              <a14:hiddenFill xmlns="" xmlns:a14="http://schemas.microsoft.com/office/drawing/2010/main">
+              <a14:hiddenFill xmlns:a14="http://schemas.microsoft.com/office/drawing/2010/main" xmlns="">
                 <a:solidFill>
                   <a:srgbClr val="FFFFFF"/>
                 </a:solidFill>

--- a/SE401/Lectures/10-Advanced Topics/Advanced Topics.pptx
+++ b/SE401/Lectures/10-Advanced Topics/Advanced Topics.pptx
@@ -323,7 +323,7 @@
           <a:p>
             <a:fld id="{B2F5E2FA-C428-4CE7-95B0-168D3259A5BB}" type="datetimeFigureOut">
               <a:rPr lang="en-US" smtClean="0"/>
-              <a:t>2/23/2022</a:t>
+              <a:t>5/15/2022</a:t>
             </a:fld>
             <a:endParaRPr lang="en-US"/>
           </a:p>
@@ -574,7 +574,7 @@
           <a:p>
             <a:fld id="{B2F5E2FA-C428-4CE7-95B0-168D3259A5BB}" type="datetimeFigureOut">
               <a:rPr lang="en-US" smtClean="0"/>
-              <a:t>2/23/2022</a:t>
+              <a:t>5/15/2022</a:t>
             </a:fld>
             <a:endParaRPr lang="en-US"/>
           </a:p>
@@ -754,7 +754,7 @@
           <a:p>
             <a:fld id="{B2F5E2FA-C428-4CE7-95B0-168D3259A5BB}" type="datetimeFigureOut">
               <a:rPr lang="en-US" smtClean="0"/>
-              <a:t>2/23/2022</a:t>
+              <a:t>5/15/2022</a:t>
             </a:fld>
             <a:endParaRPr lang="en-US"/>
           </a:p>
@@ -1010,7 +1010,7 @@
           <a:p>
             <a:fld id="{B2F5E2FA-C428-4CE7-95B0-168D3259A5BB}" type="datetimeFigureOut">
               <a:rPr lang="en-US" smtClean="0"/>
-              <a:t>2/23/2022</a:t>
+              <a:t>5/15/2022</a:t>
             </a:fld>
             <a:endParaRPr lang="en-US"/>
           </a:p>
@@ -1355,7 +1355,7 @@
           <a:p>
             <a:fld id="{B2F5E2FA-C428-4CE7-95B0-168D3259A5BB}" type="datetimeFigureOut">
               <a:rPr lang="en-US" smtClean="0"/>
-              <a:t>2/23/2022</a:t>
+              <a:t>5/15/2022</a:t>
             </a:fld>
             <a:endParaRPr lang="en-US"/>
           </a:p>
@@ -1587,7 +1587,7 @@
           <a:p>
             <a:fld id="{B2F5E2FA-C428-4CE7-95B0-168D3259A5BB}" type="datetimeFigureOut">
               <a:rPr lang="en-US" smtClean="0"/>
-              <a:t>2/23/2022</a:t>
+              <a:t>5/15/2022</a:t>
             </a:fld>
             <a:endParaRPr lang="en-US"/>
           </a:p>
@@ -1954,7 +1954,7 @@
           <a:p>
             <a:fld id="{B2F5E2FA-C428-4CE7-95B0-168D3259A5BB}" type="datetimeFigureOut">
               <a:rPr lang="en-US" smtClean="0"/>
-              <a:t>2/23/2022</a:t>
+              <a:t>5/15/2022</a:t>
             </a:fld>
             <a:endParaRPr lang="en-US"/>
           </a:p>
@@ -2049,7 +2049,7 @@
           <a:p>
             <a:fld id="{B2F5E2FA-C428-4CE7-95B0-168D3259A5BB}" type="datetimeFigureOut">
               <a:rPr lang="en-US" smtClean="0"/>
-              <a:t>2/23/2022</a:t>
+              <a:t>5/15/2022</a:t>
             </a:fld>
             <a:endParaRPr lang="en-US"/>
           </a:p>
@@ -2272,7 +2272,7 @@
             <a:fld id="{B2F5E2FA-C428-4CE7-95B0-168D3259A5BB}" type="datetimeFigureOut">
               <a:rPr lang="en-US" smtClean="0"/>
               <a:pPr/>
-              <a:t>2/23/2022</a:t>
+              <a:t>5/15/2022</a:t>
             </a:fld>
             <a:endParaRPr lang="en-US"/>
           </a:p>
@@ -2443,7 +2443,7 @@
           <a:p>
             <a:fld id="{B2F5E2FA-C428-4CE7-95B0-168D3259A5BB}" type="datetimeFigureOut">
               <a:rPr lang="en-US" smtClean="0"/>
-              <a:t>2/23/2022</a:t>
+              <a:t>5/15/2022</a:t>
             </a:fld>
             <a:endParaRPr lang="en-US"/>
           </a:p>
@@ -2720,7 +2720,7 @@
           <a:p>
             <a:fld id="{B2F5E2FA-C428-4CE7-95B0-168D3259A5BB}" type="datetimeFigureOut">
               <a:rPr lang="en-US" smtClean="0"/>
-              <a:t>2/23/2022</a:t>
+              <a:t>5/15/2022</a:t>
             </a:fld>
             <a:endParaRPr lang="en-US"/>
           </a:p>
@@ -2973,7 +2973,7 @@
           <a:p>
             <a:fld id="{B2F5E2FA-C428-4CE7-95B0-168D3259A5BB}" type="datetimeFigureOut">
               <a:rPr lang="en-US" smtClean="0"/>
-              <a:t>2/23/2022</a:t>
+              <a:t>5/15/2022</a:t>
             </a:fld>
             <a:endParaRPr lang="en-US"/>
           </a:p>
@@ -3186,7 +3186,7 @@
           <a:p>
             <a:fld id="{B2F5E2FA-C428-4CE7-95B0-168D3259A5BB}" type="datetimeFigureOut">
               <a:rPr lang="en-US" smtClean="0"/>
-              <a:t>2/23/2022</a:t>
+              <a:t>5/15/2022</a:t>
             </a:fld>
             <a:endParaRPr lang="en-US"/>
           </a:p>
@@ -3862,7 +3862,7 @@
           <a:noFill/>
           <a:extLst>
             <a:ext uri="{909E8E84-426E-40dd-AFC4-6F175D3DCCD1}">
-              <a14:hiddenFill xmlns:a14="http://schemas.microsoft.com/office/drawing/2010/main" xmlns="">
+              <a14:hiddenFill xmlns="" xmlns:a14="http://schemas.microsoft.com/office/drawing/2010/main">
                 <a:solidFill>
                   <a:srgbClr val="FFFFFF"/>
                 </a:solidFill>
@@ -4496,7 +4496,7 @@
           </a:ln>
           <a:extLst>
             <a:ext uri="{909E8E84-426E-40dd-AFC4-6F175D3DCCD1}">
-              <a14:hiddenFill xmlns:a14="http://schemas.microsoft.com/office/drawing/2010/main" xmlns="">
+              <a14:hiddenFill xmlns="" xmlns:a14="http://schemas.microsoft.com/office/drawing/2010/main">
                 <a:solidFill>
                   <a:srgbClr val="FFFFFF"/>
                 </a:solidFill>
@@ -4801,7 +4801,7 @@
           <a:noFill/>
           <a:extLst>
             <a:ext uri="{909E8E84-426E-40dd-AFC4-6F175D3DCCD1}">
-              <a14:hiddenFill xmlns:a14="http://schemas.microsoft.com/office/drawing/2010/main" xmlns="">
+              <a14:hiddenFill xmlns="" xmlns:a14="http://schemas.microsoft.com/office/drawing/2010/main">
                 <a:solidFill>
                   <a:srgbClr val="FFFFFF"/>
                 </a:solidFill>
@@ -5814,7 +5814,7 @@
           <a:noFill/>
           <a:extLst>
             <a:ext uri="{909E8E84-426E-40dd-AFC4-6F175D3DCCD1}">
-              <a14:hiddenFill xmlns:a14="http://schemas.microsoft.com/office/drawing/2010/main" xmlns="">
+              <a14:hiddenFill xmlns="" xmlns:a14="http://schemas.microsoft.com/office/drawing/2010/main">
                 <a:solidFill>
                   <a:srgbClr val="FFFFFF"/>
                 </a:solidFill>
@@ -6094,7 +6094,7 @@
           <a:noFill/>
           <a:extLst>
             <a:ext uri="{909E8E84-426E-40dd-AFC4-6F175D3DCCD1}">
-              <a14:hiddenFill xmlns:a14="http://schemas.microsoft.com/office/drawing/2010/main" xmlns="">
+              <a14:hiddenFill xmlns="" xmlns:a14="http://schemas.microsoft.com/office/drawing/2010/main">
                 <a:solidFill>
                   <a:srgbClr val="FFFFFF"/>
                 </a:solidFill>
@@ -6363,7 +6363,7 @@
         </p:nvSpPr>
         <p:spPr>
           <a:xfrm>
-            <a:off x="445700" y="155727"/>
+            <a:off x="290423" y="43585"/>
             <a:ext cx="10972800" cy="1143000"/>
           </a:xfrm>
         </p:spPr>
@@ -6551,7 +6551,7 @@
           <a:noFill/>
           <a:extLst>
             <a:ext uri="{909E8E84-426E-40dd-AFC4-6F175D3DCCD1}">
-              <a14:hiddenFill xmlns:a14="http://schemas.microsoft.com/office/drawing/2010/main" xmlns="">
+              <a14:hiddenFill xmlns="" xmlns:a14="http://schemas.microsoft.com/office/drawing/2010/main">
                 <a:solidFill>
                   <a:srgbClr val="FFFFFF"/>
                 </a:solidFill>
@@ -6869,7 +6869,7 @@
         </p:nvSpPr>
         <p:spPr>
           <a:xfrm>
-            <a:off x="359434" y="157168"/>
+            <a:off x="359434" y="0"/>
             <a:ext cx="10972800" cy="1143000"/>
           </a:xfrm>
         </p:spPr>
@@ -8928,7 +8928,7 @@
           <a:noFill/>
           <a:extLst>
             <a:ext uri="{909E8E84-426E-40dd-AFC4-6F175D3DCCD1}">
-              <a14:hiddenFill xmlns:a14="http://schemas.microsoft.com/office/drawing/2010/main" xmlns="">
+              <a14:hiddenFill xmlns="" xmlns:a14="http://schemas.microsoft.com/office/drawing/2010/main">
                 <a:solidFill>
                   <a:srgbClr val="FFFFFF"/>
                 </a:solidFill>
@@ -12023,7 +12023,7 @@
         </p:nvSpPr>
         <p:spPr>
           <a:xfrm>
-            <a:off x="504200" y="393537"/>
+            <a:off x="504200" y="341781"/>
             <a:ext cx="10972800" cy="677672"/>
           </a:xfrm>
         </p:spPr>
@@ -14908,7 +14908,7 @@
           <a:noFill/>
           <a:extLst>
             <a:ext uri="{909E8E84-426E-40dd-AFC4-6F175D3DCCD1}">
-              <a14:hiddenFill xmlns="" xmlns:a14="http://schemas.microsoft.com/office/drawing/2010/main">
+              <a14:hiddenFill xmlns:a14="http://schemas.microsoft.com/office/drawing/2010/main" xmlns="">
                 <a:solidFill>
                   <a:srgbClr val="FFFFFF"/>
                 </a:solidFill>
@@ -15055,7 +15055,7 @@
           <a:noFill/>
           <a:extLst>
             <a:ext uri="{909E8E84-426E-40dd-AFC4-6F175D3DCCD1}">
-              <a14:hiddenFill xmlns="" xmlns:a14="http://schemas.microsoft.com/office/drawing/2010/main">
+              <a14:hiddenFill xmlns:a14="http://schemas.microsoft.com/office/drawing/2010/main" xmlns="">
                 <a:solidFill>
                   <a:srgbClr val="FFFFFF"/>
                 </a:solidFill>
@@ -16373,7 +16373,7 @@
           <a:noFill/>
           <a:extLst>
             <a:ext uri="{909E8E84-426E-40dd-AFC4-6F175D3DCCD1}">
-              <a14:hiddenFill xmlns="" xmlns:a14="http://schemas.microsoft.com/office/drawing/2010/main">
+              <a14:hiddenFill xmlns:a14="http://schemas.microsoft.com/office/drawing/2010/main" xmlns="">
                 <a:solidFill>
                   <a:srgbClr val="FFFFFF"/>
                 </a:solidFill>
@@ -16853,7 +16853,7 @@
           <a:noFill/>
           <a:extLst>
             <a:ext uri="{909E8E84-426E-40dd-AFC4-6F175D3DCCD1}">
-              <a14:hiddenFill xmlns="" xmlns:a14="http://schemas.microsoft.com/office/drawing/2010/main">
+              <a14:hiddenFill xmlns:a14="http://schemas.microsoft.com/office/drawing/2010/main" xmlns="">
                 <a:solidFill>
                   <a:srgbClr val="FFFFFF"/>
                 </a:solidFill>
@@ -17356,7 +17356,7 @@
           <a:noFill/>
           <a:extLst>
             <a:ext uri="{909E8E84-426E-40dd-AFC4-6F175D3DCCD1}">
-              <a14:hiddenFill xmlns="" xmlns:a14="http://schemas.microsoft.com/office/drawing/2010/main">
+              <a14:hiddenFill xmlns:a14="http://schemas.microsoft.com/office/drawing/2010/main" xmlns="">
                 <a:solidFill>
                   <a:srgbClr val="FFFFFF"/>
                 </a:solidFill>
@@ -17944,7 +17944,7 @@
           <a:noFill/>
           <a:extLst>
             <a:ext uri="{909E8E84-426E-40dd-AFC4-6F175D3DCCD1}">
-              <a14:hiddenFill xmlns:a14="http://schemas.microsoft.com/office/drawing/2010/main" xmlns="">
+              <a14:hiddenFill xmlns="" xmlns:a14="http://schemas.microsoft.com/office/drawing/2010/main">
                 <a:solidFill>
                   <a:srgbClr val="FFFFFF"/>
                 </a:solidFill>
@@ -19952,7 +19952,7 @@
           <a:noFill/>
           <a:extLst>
             <a:ext uri="{909E8E84-426E-40dd-AFC4-6F175D3DCCD1}">
-              <a14:hiddenFill xmlns:a14="http://schemas.microsoft.com/office/drawing/2010/main" xmlns="">
+              <a14:hiddenFill xmlns="" xmlns:a14="http://schemas.microsoft.com/office/drawing/2010/main">
                 <a:solidFill>
                   <a:srgbClr val="FFFFFF"/>
                 </a:solidFill>
@@ -21890,7 +21890,7 @@
           <a:noFill/>
           <a:extLst>
             <a:ext uri="{909E8E84-426E-40dd-AFC4-6F175D3DCCD1}">
-              <a14:hiddenFill xmlns:a14="http://schemas.microsoft.com/office/drawing/2010/main" xmlns="">
+              <a14:hiddenFill xmlns="" xmlns:a14="http://schemas.microsoft.com/office/drawing/2010/main">
                 <a:solidFill>
                   <a:srgbClr val="FFFFFF"/>
                 </a:solidFill>
@@ -23075,7 +23075,7 @@
           <a:noFill/>
           <a:extLst>
             <a:ext uri="{909E8E84-426E-40dd-AFC4-6F175D3DCCD1}">
-              <a14:hiddenFill xmlns:a14="http://schemas.microsoft.com/office/drawing/2010/main" xmlns="">
+              <a14:hiddenFill xmlns="" xmlns:a14="http://schemas.microsoft.com/office/drawing/2010/main">
                 <a:solidFill>
                   <a:srgbClr val="FFFFFF"/>
                 </a:solidFill>
@@ -23309,7 +23309,7 @@
           <a:noFill/>
           <a:extLst>
             <a:ext uri="{909E8E84-426E-40dd-AFC4-6F175D3DCCD1}">
-              <a14:hiddenFill xmlns:a14="http://schemas.microsoft.com/office/drawing/2010/main" xmlns="">
+              <a14:hiddenFill xmlns="" xmlns:a14="http://schemas.microsoft.com/office/drawing/2010/main">
                 <a:solidFill>
                   <a:srgbClr val="FFFFFF"/>
                 </a:solidFill>
